--- a/ppt 16-9/1304.我为孩童.pptx
+++ b/ppt 16-9/1304.我为孩童.pptx
@@ -129,7 +129,7 @@
           <p:cNvPr id="2" name="标题 1">
             <a:extLst>
               <a:ext uri="{FF2B5EF4-FFF2-40B4-BE49-F238E27FC236}">
-                <a16:creationId xmlns:a16="http://schemas.microsoft.com/office/drawing/2014/main" id="{5F4416FD-AC8D-DC48-F4D8-F64EE29A498A}"/>
+                <a16:creationId xmlns:a16="http://schemas.microsoft.com/office/drawing/2014/main" id="{691D05BA-DFA1-9619-4FC3-8C9BF0A59FF1}"/>
               </a:ext>
             </a:extLst>
           </p:cNvPr>
@@ -166,7 +166,7 @@
           <p:cNvPr id="3" name="副标题 2">
             <a:extLst>
               <a:ext uri="{FF2B5EF4-FFF2-40B4-BE49-F238E27FC236}">
-                <a16:creationId xmlns:a16="http://schemas.microsoft.com/office/drawing/2014/main" id="{5E16B003-CF84-0275-D12D-36D3331D2FC4}"/>
+                <a16:creationId xmlns:a16="http://schemas.microsoft.com/office/drawing/2014/main" id="{A7910798-279B-6A8E-0C7A-F0D32F13CC48}"/>
               </a:ext>
             </a:extLst>
           </p:cNvPr>
@@ -236,7 +236,7 @@
           <p:cNvPr id="4" name="日期占位符 3">
             <a:extLst>
               <a:ext uri="{FF2B5EF4-FFF2-40B4-BE49-F238E27FC236}">
-                <a16:creationId xmlns:a16="http://schemas.microsoft.com/office/drawing/2014/main" id="{DB6F0FB7-DFBC-1CA8-9996-670B4DAD5695}"/>
+                <a16:creationId xmlns:a16="http://schemas.microsoft.com/office/drawing/2014/main" id="{C7070966-1A80-7ED3-1B64-5113AEA0D758}"/>
               </a:ext>
             </a:extLst>
           </p:cNvPr>
@@ -252,7 +252,7 @@
           <a:bodyPr/>
           <a:lstStyle/>
           <a:p>
-            <a:fld id="{88101207-1634-4C01-BDF5-FD1C0090361F}" type="datetimeFigureOut">
+            <a:fld id="{9736A94E-9187-41B7-A5A4-79BB41683F4F}" type="datetimeFigureOut">
               <a:rPr lang="zh-CN" altLang="en-US" smtClean="0"/>
               <a:t>2024/3/10</a:t>
             </a:fld>
@@ -265,7 +265,7 @@
           <p:cNvPr id="5" name="页脚占位符 4">
             <a:extLst>
               <a:ext uri="{FF2B5EF4-FFF2-40B4-BE49-F238E27FC236}">
-                <a16:creationId xmlns:a16="http://schemas.microsoft.com/office/drawing/2014/main" id="{6BD41C72-F401-DC79-BB4D-7FB7DDFFF383}"/>
+                <a16:creationId xmlns:a16="http://schemas.microsoft.com/office/drawing/2014/main" id="{A22C91A0-41F1-8B43-D09E-54CB7CB8FD59}"/>
               </a:ext>
             </a:extLst>
           </p:cNvPr>
@@ -290,7 +290,7 @@
           <p:cNvPr id="6" name="灯片编号占位符 5">
             <a:extLst>
               <a:ext uri="{FF2B5EF4-FFF2-40B4-BE49-F238E27FC236}">
-                <a16:creationId xmlns:a16="http://schemas.microsoft.com/office/drawing/2014/main" id="{83DE36DB-7479-A15A-A180-178F58249092}"/>
+                <a16:creationId xmlns:a16="http://schemas.microsoft.com/office/drawing/2014/main" id="{DBFCA081-031E-ADFE-A7E6-49409FF425DF}"/>
               </a:ext>
             </a:extLst>
           </p:cNvPr>
@@ -306,7 +306,7 @@
           <a:bodyPr/>
           <a:lstStyle/>
           <a:p>
-            <a:fld id="{B65CD1F6-44BD-4287-9604-5EB249E4285B}" type="slidenum">
+            <a:fld id="{CFCE0B46-C4B4-46DF-ABAC-94445164F1C9}" type="slidenum">
               <a:rPr lang="zh-CN" altLang="en-US" smtClean="0"/>
               <a:t>‹#›</a:t>
             </a:fld>
@@ -317,7 +317,7 @@
     </p:spTree>
     <p:extLst>
       <p:ext uri="{BB962C8B-B14F-4D97-AF65-F5344CB8AC3E}">
-        <p14:creationId xmlns:p14="http://schemas.microsoft.com/office/powerpoint/2010/main" val="892062188"/>
+        <p14:creationId xmlns:p14="http://schemas.microsoft.com/office/powerpoint/2010/main" val="956123938"/>
       </p:ext>
     </p:extLst>
   </p:cSld>
@@ -349,7 +349,7 @@
           <p:cNvPr id="2" name="标题 1">
             <a:extLst>
               <a:ext uri="{FF2B5EF4-FFF2-40B4-BE49-F238E27FC236}">
-                <a16:creationId xmlns:a16="http://schemas.microsoft.com/office/drawing/2014/main" id="{02840634-2732-82AB-F65D-3B6D14751A95}"/>
+                <a16:creationId xmlns:a16="http://schemas.microsoft.com/office/drawing/2014/main" id="{4B489E97-CD64-91BC-5F6D-F20985FB00A1}"/>
               </a:ext>
             </a:extLst>
           </p:cNvPr>
@@ -377,7 +377,7 @@
           <p:cNvPr id="3" name="竖排文字占位符 2">
             <a:extLst>
               <a:ext uri="{FF2B5EF4-FFF2-40B4-BE49-F238E27FC236}">
-                <a16:creationId xmlns:a16="http://schemas.microsoft.com/office/drawing/2014/main" id="{25D3116F-6843-E60A-A7C1-E866BC25CBD0}"/>
+                <a16:creationId xmlns:a16="http://schemas.microsoft.com/office/drawing/2014/main" id="{D0B70D10-2683-1950-7F1D-92630F98EB32}"/>
               </a:ext>
             </a:extLst>
           </p:cNvPr>
@@ -434,7 +434,7 @@
           <p:cNvPr id="4" name="日期占位符 3">
             <a:extLst>
               <a:ext uri="{FF2B5EF4-FFF2-40B4-BE49-F238E27FC236}">
-                <a16:creationId xmlns:a16="http://schemas.microsoft.com/office/drawing/2014/main" id="{82E3708F-54EA-3BC6-3265-8CFFE2DD88D3}"/>
+                <a16:creationId xmlns:a16="http://schemas.microsoft.com/office/drawing/2014/main" id="{7E33CBC1-E08A-0891-24B0-5F0D3F4BD787}"/>
               </a:ext>
             </a:extLst>
           </p:cNvPr>
@@ -450,7 +450,7 @@
           <a:bodyPr/>
           <a:lstStyle/>
           <a:p>
-            <a:fld id="{88101207-1634-4C01-BDF5-FD1C0090361F}" type="datetimeFigureOut">
+            <a:fld id="{9736A94E-9187-41B7-A5A4-79BB41683F4F}" type="datetimeFigureOut">
               <a:rPr lang="zh-CN" altLang="en-US" smtClean="0"/>
               <a:t>2024/3/10</a:t>
             </a:fld>
@@ -463,7 +463,7 @@
           <p:cNvPr id="5" name="页脚占位符 4">
             <a:extLst>
               <a:ext uri="{FF2B5EF4-FFF2-40B4-BE49-F238E27FC236}">
-                <a16:creationId xmlns:a16="http://schemas.microsoft.com/office/drawing/2014/main" id="{9B3A4254-0C7B-F7E3-9D36-8D8DF18772E5}"/>
+                <a16:creationId xmlns:a16="http://schemas.microsoft.com/office/drawing/2014/main" id="{54319CBF-7D72-A20C-7CD5-BF6280AA1696}"/>
               </a:ext>
             </a:extLst>
           </p:cNvPr>
@@ -488,7 +488,7 @@
           <p:cNvPr id="6" name="灯片编号占位符 5">
             <a:extLst>
               <a:ext uri="{FF2B5EF4-FFF2-40B4-BE49-F238E27FC236}">
-                <a16:creationId xmlns:a16="http://schemas.microsoft.com/office/drawing/2014/main" id="{9AA6DC5D-E251-2403-35EF-8B0E6FB5F219}"/>
+                <a16:creationId xmlns:a16="http://schemas.microsoft.com/office/drawing/2014/main" id="{7A9A45D2-90B4-8C07-4308-9221BBE79632}"/>
               </a:ext>
             </a:extLst>
           </p:cNvPr>
@@ -504,7 +504,7 @@
           <a:bodyPr/>
           <a:lstStyle/>
           <a:p>
-            <a:fld id="{B65CD1F6-44BD-4287-9604-5EB249E4285B}" type="slidenum">
+            <a:fld id="{CFCE0B46-C4B4-46DF-ABAC-94445164F1C9}" type="slidenum">
               <a:rPr lang="zh-CN" altLang="en-US" smtClean="0"/>
               <a:t>‹#›</a:t>
             </a:fld>
@@ -515,7 +515,7 @@
     </p:spTree>
     <p:extLst>
       <p:ext uri="{BB962C8B-B14F-4D97-AF65-F5344CB8AC3E}">
-        <p14:creationId xmlns:p14="http://schemas.microsoft.com/office/powerpoint/2010/main" val="4215602489"/>
+        <p14:creationId xmlns:p14="http://schemas.microsoft.com/office/powerpoint/2010/main" val="1812560394"/>
       </p:ext>
     </p:extLst>
   </p:cSld>
@@ -547,7 +547,7 @@
           <p:cNvPr id="2" name="竖排标题 1">
             <a:extLst>
               <a:ext uri="{FF2B5EF4-FFF2-40B4-BE49-F238E27FC236}">
-                <a16:creationId xmlns:a16="http://schemas.microsoft.com/office/drawing/2014/main" id="{D4A0565C-6E41-4DF5-F9A9-0F3D4144041C}"/>
+                <a16:creationId xmlns:a16="http://schemas.microsoft.com/office/drawing/2014/main" id="{E3D4D6C1-A2D8-A29C-3D17-F32B05ED13E1}"/>
               </a:ext>
             </a:extLst>
           </p:cNvPr>
@@ -580,7 +580,7 @@
           <p:cNvPr id="3" name="竖排文字占位符 2">
             <a:extLst>
               <a:ext uri="{FF2B5EF4-FFF2-40B4-BE49-F238E27FC236}">
-                <a16:creationId xmlns:a16="http://schemas.microsoft.com/office/drawing/2014/main" id="{382421FD-B2FC-4083-ECA8-A718A1D0DBBC}"/>
+                <a16:creationId xmlns:a16="http://schemas.microsoft.com/office/drawing/2014/main" id="{71440A79-237A-2EFD-7ED7-6D41BB9C9A4F}"/>
               </a:ext>
             </a:extLst>
           </p:cNvPr>
@@ -642,7 +642,7 @@
           <p:cNvPr id="4" name="日期占位符 3">
             <a:extLst>
               <a:ext uri="{FF2B5EF4-FFF2-40B4-BE49-F238E27FC236}">
-                <a16:creationId xmlns:a16="http://schemas.microsoft.com/office/drawing/2014/main" id="{0135017A-A73D-3469-E409-BFB2EE8C860C}"/>
+                <a16:creationId xmlns:a16="http://schemas.microsoft.com/office/drawing/2014/main" id="{5EE99B54-EB8C-259D-4021-0028609ADDDB}"/>
               </a:ext>
             </a:extLst>
           </p:cNvPr>
@@ -658,7 +658,7 @@
           <a:bodyPr/>
           <a:lstStyle/>
           <a:p>
-            <a:fld id="{88101207-1634-4C01-BDF5-FD1C0090361F}" type="datetimeFigureOut">
+            <a:fld id="{9736A94E-9187-41B7-A5A4-79BB41683F4F}" type="datetimeFigureOut">
               <a:rPr lang="zh-CN" altLang="en-US" smtClean="0"/>
               <a:t>2024/3/10</a:t>
             </a:fld>
@@ -671,7 +671,7 @@
           <p:cNvPr id="5" name="页脚占位符 4">
             <a:extLst>
               <a:ext uri="{FF2B5EF4-FFF2-40B4-BE49-F238E27FC236}">
-                <a16:creationId xmlns:a16="http://schemas.microsoft.com/office/drawing/2014/main" id="{D59FD188-D1B1-EB5A-B5B7-5C9187D4B918}"/>
+                <a16:creationId xmlns:a16="http://schemas.microsoft.com/office/drawing/2014/main" id="{75C60C54-7067-9D34-CDCE-32A2F159ADE8}"/>
               </a:ext>
             </a:extLst>
           </p:cNvPr>
@@ -696,7 +696,7 @@
           <p:cNvPr id="6" name="灯片编号占位符 5">
             <a:extLst>
               <a:ext uri="{FF2B5EF4-FFF2-40B4-BE49-F238E27FC236}">
-                <a16:creationId xmlns:a16="http://schemas.microsoft.com/office/drawing/2014/main" id="{CFA26318-70C3-254B-B446-07AFF658F4B3}"/>
+                <a16:creationId xmlns:a16="http://schemas.microsoft.com/office/drawing/2014/main" id="{C567C478-D037-62D1-6B82-AF2C551CCD18}"/>
               </a:ext>
             </a:extLst>
           </p:cNvPr>
@@ -712,7 +712,7 @@
           <a:bodyPr/>
           <a:lstStyle/>
           <a:p>
-            <a:fld id="{B65CD1F6-44BD-4287-9604-5EB249E4285B}" type="slidenum">
+            <a:fld id="{CFCE0B46-C4B4-46DF-ABAC-94445164F1C9}" type="slidenum">
               <a:rPr lang="zh-CN" altLang="en-US" smtClean="0"/>
               <a:t>‹#›</a:t>
             </a:fld>
@@ -723,7 +723,7 @@
     </p:spTree>
     <p:extLst>
       <p:ext uri="{BB962C8B-B14F-4D97-AF65-F5344CB8AC3E}">
-        <p14:creationId xmlns:p14="http://schemas.microsoft.com/office/powerpoint/2010/main" val="59435603"/>
+        <p14:creationId xmlns:p14="http://schemas.microsoft.com/office/powerpoint/2010/main" val="2511070354"/>
       </p:ext>
     </p:extLst>
   </p:cSld>
@@ -755,7 +755,7 @@
           <p:cNvPr id="2" name="标题 1">
             <a:extLst>
               <a:ext uri="{FF2B5EF4-FFF2-40B4-BE49-F238E27FC236}">
-                <a16:creationId xmlns:a16="http://schemas.microsoft.com/office/drawing/2014/main" id="{66F94B4A-2435-BD17-4ED7-1E7C25B42182}"/>
+                <a16:creationId xmlns:a16="http://schemas.microsoft.com/office/drawing/2014/main" id="{07EED8A5-8982-2446-BA30-225B4CFEA41F}"/>
               </a:ext>
             </a:extLst>
           </p:cNvPr>
@@ -783,7 +783,7 @@
           <p:cNvPr id="3" name="内容占位符 2">
             <a:extLst>
               <a:ext uri="{FF2B5EF4-FFF2-40B4-BE49-F238E27FC236}">
-                <a16:creationId xmlns:a16="http://schemas.microsoft.com/office/drawing/2014/main" id="{0CFDBB65-BBE1-9321-B6A8-E2EA046B5667}"/>
+                <a16:creationId xmlns:a16="http://schemas.microsoft.com/office/drawing/2014/main" id="{80956A63-23E7-2B43-1D03-25B3A0999BF2}"/>
               </a:ext>
             </a:extLst>
           </p:cNvPr>
@@ -840,7 +840,7 @@
           <p:cNvPr id="4" name="日期占位符 3">
             <a:extLst>
               <a:ext uri="{FF2B5EF4-FFF2-40B4-BE49-F238E27FC236}">
-                <a16:creationId xmlns:a16="http://schemas.microsoft.com/office/drawing/2014/main" id="{3A1D5B6D-2ABB-BDE6-E723-CC0CC8B9BF7C}"/>
+                <a16:creationId xmlns:a16="http://schemas.microsoft.com/office/drawing/2014/main" id="{18E21DE1-52B3-57C0-B21E-69CE1142E56A}"/>
               </a:ext>
             </a:extLst>
           </p:cNvPr>
@@ -856,7 +856,7 @@
           <a:bodyPr/>
           <a:lstStyle/>
           <a:p>
-            <a:fld id="{88101207-1634-4C01-BDF5-FD1C0090361F}" type="datetimeFigureOut">
+            <a:fld id="{9736A94E-9187-41B7-A5A4-79BB41683F4F}" type="datetimeFigureOut">
               <a:rPr lang="zh-CN" altLang="en-US" smtClean="0"/>
               <a:t>2024/3/10</a:t>
             </a:fld>
@@ -869,7 +869,7 @@
           <p:cNvPr id="5" name="页脚占位符 4">
             <a:extLst>
               <a:ext uri="{FF2B5EF4-FFF2-40B4-BE49-F238E27FC236}">
-                <a16:creationId xmlns:a16="http://schemas.microsoft.com/office/drawing/2014/main" id="{AB7EA960-1F30-C0FC-DD16-537F798D2D82}"/>
+                <a16:creationId xmlns:a16="http://schemas.microsoft.com/office/drawing/2014/main" id="{379073B1-B0EB-3D8A-2C89-76FDAEBD5AC0}"/>
               </a:ext>
             </a:extLst>
           </p:cNvPr>
@@ -894,7 +894,7 @@
           <p:cNvPr id="6" name="灯片编号占位符 5">
             <a:extLst>
               <a:ext uri="{FF2B5EF4-FFF2-40B4-BE49-F238E27FC236}">
-                <a16:creationId xmlns:a16="http://schemas.microsoft.com/office/drawing/2014/main" id="{37E0E673-548F-E805-9B3A-122BD4E0DB9A}"/>
+                <a16:creationId xmlns:a16="http://schemas.microsoft.com/office/drawing/2014/main" id="{AFF8CCF7-50FC-ECD0-7508-0D2D6CDB137E}"/>
               </a:ext>
             </a:extLst>
           </p:cNvPr>
@@ -910,7 +910,7 @@
           <a:bodyPr/>
           <a:lstStyle/>
           <a:p>
-            <a:fld id="{B65CD1F6-44BD-4287-9604-5EB249E4285B}" type="slidenum">
+            <a:fld id="{CFCE0B46-C4B4-46DF-ABAC-94445164F1C9}" type="slidenum">
               <a:rPr lang="zh-CN" altLang="en-US" smtClean="0"/>
               <a:t>‹#›</a:t>
             </a:fld>
@@ -921,7 +921,7 @@
     </p:spTree>
     <p:extLst>
       <p:ext uri="{BB962C8B-B14F-4D97-AF65-F5344CB8AC3E}">
-        <p14:creationId xmlns:p14="http://schemas.microsoft.com/office/powerpoint/2010/main" val="1330889603"/>
+        <p14:creationId xmlns:p14="http://schemas.microsoft.com/office/powerpoint/2010/main" val="2540885515"/>
       </p:ext>
     </p:extLst>
   </p:cSld>
@@ -953,7 +953,7 @@
           <p:cNvPr id="2" name="标题 1">
             <a:extLst>
               <a:ext uri="{FF2B5EF4-FFF2-40B4-BE49-F238E27FC236}">
-                <a16:creationId xmlns:a16="http://schemas.microsoft.com/office/drawing/2014/main" id="{58B8054C-EEC3-1795-C5A4-E45C9545114A}"/>
+                <a16:creationId xmlns:a16="http://schemas.microsoft.com/office/drawing/2014/main" id="{A737050D-9EFC-494A-7521-371C91927A93}"/>
               </a:ext>
             </a:extLst>
           </p:cNvPr>
@@ -990,7 +990,7 @@
           <p:cNvPr id="3" name="文本占位符 2">
             <a:extLst>
               <a:ext uri="{FF2B5EF4-FFF2-40B4-BE49-F238E27FC236}">
-                <a16:creationId xmlns:a16="http://schemas.microsoft.com/office/drawing/2014/main" id="{6E1AEE15-9BFE-062A-0B04-E9DA3E021C01}"/>
+                <a16:creationId xmlns:a16="http://schemas.microsoft.com/office/drawing/2014/main" id="{F0B6E6A8-F492-E1C8-EB23-CFE442989916}"/>
               </a:ext>
             </a:extLst>
           </p:cNvPr>
@@ -1115,7 +1115,7 @@
           <p:cNvPr id="4" name="日期占位符 3">
             <a:extLst>
               <a:ext uri="{FF2B5EF4-FFF2-40B4-BE49-F238E27FC236}">
-                <a16:creationId xmlns:a16="http://schemas.microsoft.com/office/drawing/2014/main" id="{D94D8712-008F-B0B1-A93A-34B3E79E466D}"/>
+                <a16:creationId xmlns:a16="http://schemas.microsoft.com/office/drawing/2014/main" id="{00078D23-39AE-556B-CFB6-CFEE7F31D1D4}"/>
               </a:ext>
             </a:extLst>
           </p:cNvPr>
@@ -1131,7 +1131,7 @@
           <a:bodyPr/>
           <a:lstStyle/>
           <a:p>
-            <a:fld id="{88101207-1634-4C01-BDF5-FD1C0090361F}" type="datetimeFigureOut">
+            <a:fld id="{9736A94E-9187-41B7-A5A4-79BB41683F4F}" type="datetimeFigureOut">
               <a:rPr lang="zh-CN" altLang="en-US" smtClean="0"/>
               <a:t>2024/3/10</a:t>
             </a:fld>
@@ -1144,7 +1144,7 @@
           <p:cNvPr id="5" name="页脚占位符 4">
             <a:extLst>
               <a:ext uri="{FF2B5EF4-FFF2-40B4-BE49-F238E27FC236}">
-                <a16:creationId xmlns:a16="http://schemas.microsoft.com/office/drawing/2014/main" id="{70539DC0-2F79-4F99-375C-CA7F70143A6C}"/>
+                <a16:creationId xmlns:a16="http://schemas.microsoft.com/office/drawing/2014/main" id="{57DE0FBC-02E5-08D7-E95E-30F00C078CE4}"/>
               </a:ext>
             </a:extLst>
           </p:cNvPr>
@@ -1169,7 +1169,7 @@
           <p:cNvPr id="6" name="灯片编号占位符 5">
             <a:extLst>
               <a:ext uri="{FF2B5EF4-FFF2-40B4-BE49-F238E27FC236}">
-                <a16:creationId xmlns:a16="http://schemas.microsoft.com/office/drawing/2014/main" id="{F62625B4-CBCE-3822-47E3-5EC6B5CA085E}"/>
+                <a16:creationId xmlns:a16="http://schemas.microsoft.com/office/drawing/2014/main" id="{7918D936-FEB9-950B-5AA8-857FD0532F9A}"/>
               </a:ext>
             </a:extLst>
           </p:cNvPr>
@@ -1185,7 +1185,7 @@
           <a:bodyPr/>
           <a:lstStyle/>
           <a:p>
-            <a:fld id="{B65CD1F6-44BD-4287-9604-5EB249E4285B}" type="slidenum">
+            <a:fld id="{CFCE0B46-C4B4-46DF-ABAC-94445164F1C9}" type="slidenum">
               <a:rPr lang="zh-CN" altLang="en-US" smtClean="0"/>
               <a:t>‹#›</a:t>
             </a:fld>
@@ -1196,7 +1196,7 @@
     </p:spTree>
     <p:extLst>
       <p:ext uri="{BB962C8B-B14F-4D97-AF65-F5344CB8AC3E}">
-        <p14:creationId xmlns:p14="http://schemas.microsoft.com/office/powerpoint/2010/main" val="2267778736"/>
+        <p14:creationId xmlns:p14="http://schemas.microsoft.com/office/powerpoint/2010/main" val="2592415984"/>
       </p:ext>
     </p:extLst>
   </p:cSld>
@@ -1228,7 +1228,7 @@
           <p:cNvPr id="2" name="标题 1">
             <a:extLst>
               <a:ext uri="{FF2B5EF4-FFF2-40B4-BE49-F238E27FC236}">
-                <a16:creationId xmlns:a16="http://schemas.microsoft.com/office/drawing/2014/main" id="{E19AA31E-3A0C-E1BE-C386-E7F86D10C1CA}"/>
+                <a16:creationId xmlns:a16="http://schemas.microsoft.com/office/drawing/2014/main" id="{02A95BE3-5720-6151-A17B-E4DFFF1A67D8}"/>
               </a:ext>
             </a:extLst>
           </p:cNvPr>
@@ -1256,7 +1256,7 @@
           <p:cNvPr id="3" name="内容占位符 2">
             <a:extLst>
               <a:ext uri="{FF2B5EF4-FFF2-40B4-BE49-F238E27FC236}">
-                <a16:creationId xmlns:a16="http://schemas.microsoft.com/office/drawing/2014/main" id="{40ED25E2-3A54-BDF0-59DB-6E282D09A4DE}"/>
+                <a16:creationId xmlns:a16="http://schemas.microsoft.com/office/drawing/2014/main" id="{BE939AE7-99B9-A763-92FB-D50A42E7BA1E}"/>
               </a:ext>
             </a:extLst>
           </p:cNvPr>
@@ -1318,7 +1318,7 @@
           <p:cNvPr id="4" name="内容占位符 3">
             <a:extLst>
               <a:ext uri="{FF2B5EF4-FFF2-40B4-BE49-F238E27FC236}">
-                <a16:creationId xmlns:a16="http://schemas.microsoft.com/office/drawing/2014/main" id="{F5381BBE-994B-C2C5-3C56-0D28222CFE60}"/>
+                <a16:creationId xmlns:a16="http://schemas.microsoft.com/office/drawing/2014/main" id="{777FCD17-6354-CFAE-0227-E91F26C818BA}"/>
               </a:ext>
             </a:extLst>
           </p:cNvPr>
@@ -1380,7 +1380,7 @@
           <p:cNvPr id="5" name="日期占位符 4">
             <a:extLst>
               <a:ext uri="{FF2B5EF4-FFF2-40B4-BE49-F238E27FC236}">
-                <a16:creationId xmlns:a16="http://schemas.microsoft.com/office/drawing/2014/main" id="{4260479B-D5AD-4B7B-CC6F-9E395E7B6EF8}"/>
+                <a16:creationId xmlns:a16="http://schemas.microsoft.com/office/drawing/2014/main" id="{BE4970E8-454B-8860-BF2D-FF00F0606429}"/>
               </a:ext>
             </a:extLst>
           </p:cNvPr>
@@ -1396,7 +1396,7 @@
           <a:bodyPr/>
           <a:lstStyle/>
           <a:p>
-            <a:fld id="{88101207-1634-4C01-BDF5-FD1C0090361F}" type="datetimeFigureOut">
+            <a:fld id="{9736A94E-9187-41B7-A5A4-79BB41683F4F}" type="datetimeFigureOut">
               <a:rPr lang="zh-CN" altLang="en-US" smtClean="0"/>
               <a:t>2024/3/10</a:t>
             </a:fld>
@@ -1409,7 +1409,7 @@
           <p:cNvPr id="6" name="页脚占位符 5">
             <a:extLst>
               <a:ext uri="{FF2B5EF4-FFF2-40B4-BE49-F238E27FC236}">
-                <a16:creationId xmlns:a16="http://schemas.microsoft.com/office/drawing/2014/main" id="{76520C3A-6982-B972-3879-B87362F550E4}"/>
+                <a16:creationId xmlns:a16="http://schemas.microsoft.com/office/drawing/2014/main" id="{91F082BB-5834-9B6D-BF03-E4365C5BFB75}"/>
               </a:ext>
             </a:extLst>
           </p:cNvPr>
@@ -1434,7 +1434,7 @@
           <p:cNvPr id="7" name="灯片编号占位符 6">
             <a:extLst>
               <a:ext uri="{FF2B5EF4-FFF2-40B4-BE49-F238E27FC236}">
-                <a16:creationId xmlns:a16="http://schemas.microsoft.com/office/drawing/2014/main" id="{A4B9F7A5-B1E0-7B53-D8F3-B5B3979F4390}"/>
+                <a16:creationId xmlns:a16="http://schemas.microsoft.com/office/drawing/2014/main" id="{B50196D4-8A1E-63B3-7DA2-B144B47A8F0D}"/>
               </a:ext>
             </a:extLst>
           </p:cNvPr>
@@ -1450,7 +1450,7 @@
           <a:bodyPr/>
           <a:lstStyle/>
           <a:p>
-            <a:fld id="{B65CD1F6-44BD-4287-9604-5EB249E4285B}" type="slidenum">
+            <a:fld id="{CFCE0B46-C4B4-46DF-ABAC-94445164F1C9}" type="slidenum">
               <a:rPr lang="zh-CN" altLang="en-US" smtClean="0"/>
               <a:t>‹#›</a:t>
             </a:fld>
@@ -1461,7 +1461,7 @@
     </p:spTree>
     <p:extLst>
       <p:ext uri="{BB962C8B-B14F-4D97-AF65-F5344CB8AC3E}">
-        <p14:creationId xmlns:p14="http://schemas.microsoft.com/office/powerpoint/2010/main" val="2953969828"/>
+        <p14:creationId xmlns:p14="http://schemas.microsoft.com/office/powerpoint/2010/main" val="2730702243"/>
       </p:ext>
     </p:extLst>
   </p:cSld>
@@ -1493,7 +1493,7 @@
           <p:cNvPr id="2" name="标题 1">
             <a:extLst>
               <a:ext uri="{FF2B5EF4-FFF2-40B4-BE49-F238E27FC236}">
-                <a16:creationId xmlns:a16="http://schemas.microsoft.com/office/drawing/2014/main" id="{21065D5D-16DC-6636-EAD7-91071B1B9EC5}"/>
+                <a16:creationId xmlns:a16="http://schemas.microsoft.com/office/drawing/2014/main" id="{7534E800-D61F-5403-AB0B-6C3E2BBD16CD}"/>
               </a:ext>
             </a:extLst>
           </p:cNvPr>
@@ -1526,7 +1526,7 @@
           <p:cNvPr id="3" name="文本占位符 2">
             <a:extLst>
               <a:ext uri="{FF2B5EF4-FFF2-40B4-BE49-F238E27FC236}">
-                <a16:creationId xmlns:a16="http://schemas.microsoft.com/office/drawing/2014/main" id="{CB46EBBF-470D-E92A-CADA-12D0F571410C}"/>
+                <a16:creationId xmlns:a16="http://schemas.microsoft.com/office/drawing/2014/main" id="{A67D0093-D2C7-1AD3-8CA9-90DA1522F8D5}"/>
               </a:ext>
             </a:extLst>
           </p:cNvPr>
@@ -1597,7 +1597,7 @@
           <p:cNvPr id="4" name="内容占位符 3">
             <a:extLst>
               <a:ext uri="{FF2B5EF4-FFF2-40B4-BE49-F238E27FC236}">
-                <a16:creationId xmlns:a16="http://schemas.microsoft.com/office/drawing/2014/main" id="{802D3E99-1F03-7C6A-E6C9-179D54A55D9B}"/>
+                <a16:creationId xmlns:a16="http://schemas.microsoft.com/office/drawing/2014/main" id="{C30FA7F6-F184-4FA9-964F-0AAFCDAF109E}"/>
               </a:ext>
             </a:extLst>
           </p:cNvPr>
@@ -1659,7 +1659,7 @@
           <p:cNvPr id="5" name="文本占位符 4">
             <a:extLst>
               <a:ext uri="{FF2B5EF4-FFF2-40B4-BE49-F238E27FC236}">
-                <a16:creationId xmlns:a16="http://schemas.microsoft.com/office/drawing/2014/main" id="{68DEC8B2-A02B-6DCD-0195-1625D5702E78}"/>
+                <a16:creationId xmlns:a16="http://schemas.microsoft.com/office/drawing/2014/main" id="{CC87B514-B1A9-9A0C-A3EE-FA698683B7F8}"/>
               </a:ext>
             </a:extLst>
           </p:cNvPr>
@@ -1730,7 +1730,7 @@
           <p:cNvPr id="6" name="内容占位符 5">
             <a:extLst>
               <a:ext uri="{FF2B5EF4-FFF2-40B4-BE49-F238E27FC236}">
-                <a16:creationId xmlns:a16="http://schemas.microsoft.com/office/drawing/2014/main" id="{837D854B-0422-F054-1AA5-7D2EDB428C8F}"/>
+                <a16:creationId xmlns:a16="http://schemas.microsoft.com/office/drawing/2014/main" id="{06B0720E-6B44-FB72-CE94-59BBA58FA72A}"/>
               </a:ext>
             </a:extLst>
           </p:cNvPr>
@@ -1792,7 +1792,7 @@
           <p:cNvPr id="7" name="日期占位符 6">
             <a:extLst>
               <a:ext uri="{FF2B5EF4-FFF2-40B4-BE49-F238E27FC236}">
-                <a16:creationId xmlns:a16="http://schemas.microsoft.com/office/drawing/2014/main" id="{91805161-849B-464D-0B42-46A6F0F984BF}"/>
+                <a16:creationId xmlns:a16="http://schemas.microsoft.com/office/drawing/2014/main" id="{C10C9147-8D08-1712-293A-9D1AA7CF6CA8}"/>
               </a:ext>
             </a:extLst>
           </p:cNvPr>
@@ -1808,7 +1808,7 @@
           <a:bodyPr/>
           <a:lstStyle/>
           <a:p>
-            <a:fld id="{88101207-1634-4C01-BDF5-FD1C0090361F}" type="datetimeFigureOut">
+            <a:fld id="{9736A94E-9187-41B7-A5A4-79BB41683F4F}" type="datetimeFigureOut">
               <a:rPr lang="zh-CN" altLang="en-US" smtClean="0"/>
               <a:t>2024/3/10</a:t>
             </a:fld>
@@ -1821,7 +1821,7 @@
           <p:cNvPr id="8" name="页脚占位符 7">
             <a:extLst>
               <a:ext uri="{FF2B5EF4-FFF2-40B4-BE49-F238E27FC236}">
-                <a16:creationId xmlns:a16="http://schemas.microsoft.com/office/drawing/2014/main" id="{BF10573D-CD15-95D3-4D10-A22912A86508}"/>
+                <a16:creationId xmlns:a16="http://schemas.microsoft.com/office/drawing/2014/main" id="{F68D2E2F-5578-54A5-2E62-C6370383910C}"/>
               </a:ext>
             </a:extLst>
           </p:cNvPr>
@@ -1846,7 +1846,7 @@
           <p:cNvPr id="9" name="灯片编号占位符 8">
             <a:extLst>
               <a:ext uri="{FF2B5EF4-FFF2-40B4-BE49-F238E27FC236}">
-                <a16:creationId xmlns:a16="http://schemas.microsoft.com/office/drawing/2014/main" id="{EAB58B71-1B5F-3410-D825-D94C7B4B79E6}"/>
+                <a16:creationId xmlns:a16="http://schemas.microsoft.com/office/drawing/2014/main" id="{0AB9CFD2-B86B-AB32-ECBD-103C048C26E8}"/>
               </a:ext>
             </a:extLst>
           </p:cNvPr>
@@ -1862,7 +1862,7 @@
           <a:bodyPr/>
           <a:lstStyle/>
           <a:p>
-            <a:fld id="{B65CD1F6-44BD-4287-9604-5EB249E4285B}" type="slidenum">
+            <a:fld id="{CFCE0B46-C4B4-46DF-ABAC-94445164F1C9}" type="slidenum">
               <a:rPr lang="zh-CN" altLang="en-US" smtClean="0"/>
               <a:t>‹#›</a:t>
             </a:fld>
@@ -1873,7 +1873,7 @@
     </p:spTree>
     <p:extLst>
       <p:ext uri="{BB962C8B-B14F-4D97-AF65-F5344CB8AC3E}">
-        <p14:creationId xmlns:p14="http://schemas.microsoft.com/office/powerpoint/2010/main" val="2394499209"/>
+        <p14:creationId xmlns:p14="http://schemas.microsoft.com/office/powerpoint/2010/main" val="3647326145"/>
       </p:ext>
     </p:extLst>
   </p:cSld>
@@ -1905,7 +1905,7 @@
           <p:cNvPr id="2" name="标题 1">
             <a:extLst>
               <a:ext uri="{FF2B5EF4-FFF2-40B4-BE49-F238E27FC236}">
-                <a16:creationId xmlns:a16="http://schemas.microsoft.com/office/drawing/2014/main" id="{F3B30FE2-D195-3447-C058-47C3FD9C854F}"/>
+                <a16:creationId xmlns:a16="http://schemas.microsoft.com/office/drawing/2014/main" id="{10FA5EB9-2805-0605-B52F-FC8015F5328F}"/>
               </a:ext>
             </a:extLst>
           </p:cNvPr>
@@ -1933,7 +1933,7 @@
           <p:cNvPr id="3" name="日期占位符 2">
             <a:extLst>
               <a:ext uri="{FF2B5EF4-FFF2-40B4-BE49-F238E27FC236}">
-                <a16:creationId xmlns:a16="http://schemas.microsoft.com/office/drawing/2014/main" id="{03918135-FDBA-FB25-7FCF-63B46005337E}"/>
+                <a16:creationId xmlns:a16="http://schemas.microsoft.com/office/drawing/2014/main" id="{47EBB51A-88DB-DAAB-09D6-5CE6E56BC817}"/>
               </a:ext>
             </a:extLst>
           </p:cNvPr>
@@ -1949,7 +1949,7 @@
           <a:bodyPr/>
           <a:lstStyle/>
           <a:p>
-            <a:fld id="{88101207-1634-4C01-BDF5-FD1C0090361F}" type="datetimeFigureOut">
+            <a:fld id="{9736A94E-9187-41B7-A5A4-79BB41683F4F}" type="datetimeFigureOut">
               <a:rPr lang="zh-CN" altLang="en-US" smtClean="0"/>
               <a:t>2024/3/10</a:t>
             </a:fld>
@@ -1962,7 +1962,7 @@
           <p:cNvPr id="4" name="页脚占位符 3">
             <a:extLst>
               <a:ext uri="{FF2B5EF4-FFF2-40B4-BE49-F238E27FC236}">
-                <a16:creationId xmlns:a16="http://schemas.microsoft.com/office/drawing/2014/main" id="{7CCB7D84-11FD-7005-487C-728BE91D93DB}"/>
+                <a16:creationId xmlns:a16="http://schemas.microsoft.com/office/drawing/2014/main" id="{FCB7DB50-F227-DC8F-CCFE-01E36E01E7AC}"/>
               </a:ext>
             </a:extLst>
           </p:cNvPr>
@@ -1987,7 +1987,7 @@
           <p:cNvPr id="5" name="灯片编号占位符 4">
             <a:extLst>
               <a:ext uri="{FF2B5EF4-FFF2-40B4-BE49-F238E27FC236}">
-                <a16:creationId xmlns:a16="http://schemas.microsoft.com/office/drawing/2014/main" id="{DFB64E2B-81A1-4CE4-4A00-6F981277CB0F}"/>
+                <a16:creationId xmlns:a16="http://schemas.microsoft.com/office/drawing/2014/main" id="{64F332BC-1E96-8550-AFAF-23AB654225B3}"/>
               </a:ext>
             </a:extLst>
           </p:cNvPr>
@@ -2003,7 +2003,7 @@
           <a:bodyPr/>
           <a:lstStyle/>
           <a:p>
-            <a:fld id="{B65CD1F6-44BD-4287-9604-5EB249E4285B}" type="slidenum">
+            <a:fld id="{CFCE0B46-C4B4-46DF-ABAC-94445164F1C9}" type="slidenum">
               <a:rPr lang="zh-CN" altLang="en-US" smtClean="0"/>
               <a:t>‹#›</a:t>
             </a:fld>
@@ -2014,7 +2014,7 @@
     </p:spTree>
     <p:extLst>
       <p:ext uri="{BB962C8B-B14F-4D97-AF65-F5344CB8AC3E}">
-        <p14:creationId xmlns:p14="http://schemas.microsoft.com/office/powerpoint/2010/main" val="2972858166"/>
+        <p14:creationId xmlns:p14="http://schemas.microsoft.com/office/powerpoint/2010/main" val="570618638"/>
       </p:ext>
     </p:extLst>
   </p:cSld>
@@ -2046,7 +2046,7 @@
           <p:cNvPr id="2" name="日期占位符 1">
             <a:extLst>
               <a:ext uri="{FF2B5EF4-FFF2-40B4-BE49-F238E27FC236}">
-                <a16:creationId xmlns:a16="http://schemas.microsoft.com/office/drawing/2014/main" id="{926815B7-C2BE-58CB-E213-64F36DBC7FDF}"/>
+                <a16:creationId xmlns:a16="http://schemas.microsoft.com/office/drawing/2014/main" id="{1D245171-AF64-2E6E-FC12-7B0641EBD08F}"/>
               </a:ext>
             </a:extLst>
           </p:cNvPr>
@@ -2062,7 +2062,7 @@
           <a:bodyPr/>
           <a:lstStyle/>
           <a:p>
-            <a:fld id="{88101207-1634-4C01-BDF5-FD1C0090361F}" type="datetimeFigureOut">
+            <a:fld id="{9736A94E-9187-41B7-A5A4-79BB41683F4F}" type="datetimeFigureOut">
               <a:rPr lang="zh-CN" altLang="en-US" smtClean="0"/>
               <a:t>2024/3/10</a:t>
             </a:fld>
@@ -2075,7 +2075,7 @@
           <p:cNvPr id="3" name="页脚占位符 2">
             <a:extLst>
               <a:ext uri="{FF2B5EF4-FFF2-40B4-BE49-F238E27FC236}">
-                <a16:creationId xmlns:a16="http://schemas.microsoft.com/office/drawing/2014/main" id="{C9CF834B-DD36-77DD-BA4A-B90EAB897DB4}"/>
+                <a16:creationId xmlns:a16="http://schemas.microsoft.com/office/drawing/2014/main" id="{F7812711-B816-9AE9-A226-CE344725AC08}"/>
               </a:ext>
             </a:extLst>
           </p:cNvPr>
@@ -2100,7 +2100,7 @@
           <p:cNvPr id="4" name="灯片编号占位符 3">
             <a:extLst>
               <a:ext uri="{FF2B5EF4-FFF2-40B4-BE49-F238E27FC236}">
-                <a16:creationId xmlns:a16="http://schemas.microsoft.com/office/drawing/2014/main" id="{93923A1E-93AA-D5A1-9A43-7281921268BC}"/>
+                <a16:creationId xmlns:a16="http://schemas.microsoft.com/office/drawing/2014/main" id="{22C5CA53-27E2-E844-C254-BDA51B5668B3}"/>
               </a:ext>
             </a:extLst>
           </p:cNvPr>
@@ -2116,7 +2116,7 @@
           <a:bodyPr/>
           <a:lstStyle/>
           <a:p>
-            <a:fld id="{B65CD1F6-44BD-4287-9604-5EB249E4285B}" type="slidenum">
+            <a:fld id="{CFCE0B46-C4B4-46DF-ABAC-94445164F1C9}" type="slidenum">
               <a:rPr lang="zh-CN" altLang="en-US" smtClean="0"/>
               <a:t>‹#›</a:t>
             </a:fld>
@@ -2127,7 +2127,7 @@
     </p:spTree>
     <p:extLst>
       <p:ext uri="{BB962C8B-B14F-4D97-AF65-F5344CB8AC3E}">
-        <p14:creationId xmlns:p14="http://schemas.microsoft.com/office/powerpoint/2010/main" val="1360305425"/>
+        <p14:creationId xmlns:p14="http://schemas.microsoft.com/office/powerpoint/2010/main" val="2026807954"/>
       </p:ext>
     </p:extLst>
   </p:cSld>
@@ -2159,7 +2159,7 @@
           <p:cNvPr id="2" name="标题 1">
             <a:extLst>
               <a:ext uri="{FF2B5EF4-FFF2-40B4-BE49-F238E27FC236}">
-                <a16:creationId xmlns:a16="http://schemas.microsoft.com/office/drawing/2014/main" id="{60E7537E-F8ED-988B-3708-6E6E4C805DC8}"/>
+                <a16:creationId xmlns:a16="http://schemas.microsoft.com/office/drawing/2014/main" id="{215E2A73-0FE8-B03E-C624-9F37F3E76815}"/>
               </a:ext>
             </a:extLst>
           </p:cNvPr>
@@ -2196,7 +2196,7 @@
           <p:cNvPr id="3" name="内容占位符 2">
             <a:extLst>
               <a:ext uri="{FF2B5EF4-FFF2-40B4-BE49-F238E27FC236}">
-                <a16:creationId xmlns:a16="http://schemas.microsoft.com/office/drawing/2014/main" id="{ABC1DB6B-4826-882E-932E-A32B805A4D64}"/>
+                <a16:creationId xmlns:a16="http://schemas.microsoft.com/office/drawing/2014/main" id="{D2DD3807-0049-967D-D0E9-9E86871D1A16}"/>
               </a:ext>
             </a:extLst>
           </p:cNvPr>
@@ -2286,7 +2286,7 @@
           <p:cNvPr id="4" name="文本占位符 3">
             <a:extLst>
               <a:ext uri="{FF2B5EF4-FFF2-40B4-BE49-F238E27FC236}">
-                <a16:creationId xmlns:a16="http://schemas.microsoft.com/office/drawing/2014/main" id="{3AC2FD03-738B-4273-4BA9-21D2D3865C01}"/>
+                <a16:creationId xmlns:a16="http://schemas.microsoft.com/office/drawing/2014/main" id="{1FE3244D-9DB2-3E91-AEAD-47CC4E92ABCF}"/>
               </a:ext>
             </a:extLst>
           </p:cNvPr>
@@ -2357,7 +2357,7 @@
           <p:cNvPr id="5" name="日期占位符 4">
             <a:extLst>
               <a:ext uri="{FF2B5EF4-FFF2-40B4-BE49-F238E27FC236}">
-                <a16:creationId xmlns:a16="http://schemas.microsoft.com/office/drawing/2014/main" id="{C2B2A2B9-50A6-5F0B-E449-3343FD49BC57}"/>
+                <a16:creationId xmlns:a16="http://schemas.microsoft.com/office/drawing/2014/main" id="{25A0707C-9C32-B828-8DE0-C459A0B6E79B}"/>
               </a:ext>
             </a:extLst>
           </p:cNvPr>
@@ -2373,7 +2373,7 @@
           <a:bodyPr/>
           <a:lstStyle/>
           <a:p>
-            <a:fld id="{88101207-1634-4C01-BDF5-FD1C0090361F}" type="datetimeFigureOut">
+            <a:fld id="{9736A94E-9187-41B7-A5A4-79BB41683F4F}" type="datetimeFigureOut">
               <a:rPr lang="zh-CN" altLang="en-US" smtClean="0"/>
               <a:t>2024/3/10</a:t>
             </a:fld>
@@ -2386,7 +2386,7 @@
           <p:cNvPr id="6" name="页脚占位符 5">
             <a:extLst>
               <a:ext uri="{FF2B5EF4-FFF2-40B4-BE49-F238E27FC236}">
-                <a16:creationId xmlns:a16="http://schemas.microsoft.com/office/drawing/2014/main" id="{D6C9FF79-503B-DA14-2B20-B087B25D6855}"/>
+                <a16:creationId xmlns:a16="http://schemas.microsoft.com/office/drawing/2014/main" id="{3A82B30B-4880-D182-64FB-EF02655E188B}"/>
               </a:ext>
             </a:extLst>
           </p:cNvPr>
@@ -2411,7 +2411,7 @@
           <p:cNvPr id="7" name="灯片编号占位符 6">
             <a:extLst>
               <a:ext uri="{FF2B5EF4-FFF2-40B4-BE49-F238E27FC236}">
-                <a16:creationId xmlns:a16="http://schemas.microsoft.com/office/drawing/2014/main" id="{0600F4AC-5A9A-5491-2028-9DFAF30B9909}"/>
+                <a16:creationId xmlns:a16="http://schemas.microsoft.com/office/drawing/2014/main" id="{DE880E17-C9ED-BFA7-5700-4FBB50B28D7E}"/>
               </a:ext>
             </a:extLst>
           </p:cNvPr>
@@ -2427,7 +2427,7 @@
           <a:bodyPr/>
           <a:lstStyle/>
           <a:p>
-            <a:fld id="{B65CD1F6-44BD-4287-9604-5EB249E4285B}" type="slidenum">
+            <a:fld id="{CFCE0B46-C4B4-46DF-ABAC-94445164F1C9}" type="slidenum">
               <a:rPr lang="zh-CN" altLang="en-US" smtClean="0"/>
               <a:t>‹#›</a:t>
             </a:fld>
@@ -2438,7 +2438,7 @@
     </p:spTree>
     <p:extLst>
       <p:ext uri="{BB962C8B-B14F-4D97-AF65-F5344CB8AC3E}">
-        <p14:creationId xmlns:p14="http://schemas.microsoft.com/office/powerpoint/2010/main" val="4285040624"/>
+        <p14:creationId xmlns:p14="http://schemas.microsoft.com/office/powerpoint/2010/main" val="1588417371"/>
       </p:ext>
     </p:extLst>
   </p:cSld>
@@ -2470,7 +2470,7 @@
           <p:cNvPr id="2" name="标题 1">
             <a:extLst>
               <a:ext uri="{FF2B5EF4-FFF2-40B4-BE49-F238E27FC236}">
-                <a16:creationId xmlns:a16="http://schemas.microsoft.com/office/drawing/2014/main" id="{435C8F94-543B-8C68-261B-C7F79F990FED}"/>
+                <a16:creationId xmlns:a16="http://schemas.microsoft.com/office/drawing/2014/main" id="{A722026F-F1CB-A244-A6F0-5DA758AFD6DE}"/>
               </a:ext>
             </a:extLst>
           </p:cNvPr>
@@ -2507,7 +2507,7 @@
           <p:cNvPr id="3" name="图片占位符 2">
             <a:extLst>
               <a:ext uri="{FF2B5EF4-FFF2-40B4-BE49-F238E27FC236}">
-                <a16:creationId xmlns:a16="http://schemas.microsoft.com/office/drawing/2014/main" id="{BCFBE0CD-F732-B1DB-9094-81577BED9B79}"/>
+                <a16:creationId xmlns:a16="http://schemas.microsoft.com/office/drawing/2014/main" id="{02512CE1-CCA3-0E41-28C9-3628C90AFA12}"/>
               </a:ext>
             </a:extLst>
           </p:cNvPr>
@@ -2574,7 +2574,7 @@
           <p:cNvPr id="4" name="文本占位符 3">
             <a:extLst>
               <a:ext uri="{FF2B5EF4-FFF2-40B4-BE49-F238E27FC236}">
-                <a16:creationId xmlns:a16="http://schemas.microsoft.com/office/drawing/2014/main" id="{CCD37714-BAB5-DD31-37BF-DEE6FBE0C46D}"/>
+                <a16:creationId xmlns:a16="http://schemas.microsoft.com/office/drawing/2014/main" id="{5680376F-8509-46E7-925C-B44F0E751B7A}"/>
               </a:ext>
             </a:extLst>
           </p:cNvPr>
@@ -2645,7 +2645,7 @@
           <p:cNvPr id="5" name="日期占位符 4">
             <a:extLst>
               <a:ext uri="{FF2B5EF4-FFF2-40B4-BE49-F238E27FC236}">
-                <a16:creationId xmlns:a16="http://schemas.microsoft.com/office/drawing/2014/main" id="{97ECA3E5-3D70-736A-62A4-00BC1D9C95B4}"/>
+                <a16:creationId xmlns:a16="http://schemas.microsoft.com/office/drawing/2014/main" id="{8D896DFE-CD2F-B9A8-9B23-BB172840B188}"/>
               </a:ext>
             </a:extLst>
           </p:cNvPr>
@@ -2661,7 +2661,7 @@
           <a:bodyPr/>
           <a:lstStyle/>
           <a:p>
-            <a:fld id="{88101207-1634-4C01-BDF5-FD1C0090361F}" type="datetimeFigureOut">
+            <a:fld id="{9736A94E-9187-41B7-A5A4-79BB41683F4F}" type="datetimeFigureOut">
               <a:rPr lang="zh-CN" altLang="en-US" smtClean="0"/>
               <a:t>2024/3/10</a:t>
             </a:fld>
@@ -2674,7 +2674,7 @@
           <p:cNvPr id="6" name="页脚占位符 5">
             <a:extLst>
               <a:ext uri="{FF2B5EF4-FFF2-40B4-BE49-F238E27FC236}">
-                <a16:creationId xmlns:a16="http://schemas.microsoft.com/office/drawing/2014/main" id="{2068A638-736A-F0AA-8A53-4B711E9BF2D2}"/>
+                <a16:creationId xmlns:a16="http://schemas.microsoft.com/office/drawing/2014/main" id="{86F30425-471B-324B-7B60-E45706B347EF}"/>
               </a:ext>
             </a:extLst>
           </p:cNvPr>
@@ -2699,7 +2699,7 @@
           <p:cNvPr id="7" name="灯片编号占位符 6">
             <a:extLst>
               <a:ext uri="{FF2B5EF4-FFF2-40B4-BE49-F238E27FC236}">
-                <a16:creationId xmlns:a16="http://schemas.microsoft.com/office/drawing/2014/main" id="{1E3D9F30-917A-D659-F780-5C7C9977C6F3}"/>
+                <a16:creationId xmlns:a16="http://schemas.microsoft.com/office/drawing/2014/main" id="{88149116-9BBD-5191-5763-15262120723D}"/>
               </a:ext>
             </a:extLst>
           </p:cNvPr>
@@ -2715,7 +2715,7 @@
           <a:bodyPr/>
           <a:lstStyle/>
           <a:p>
-            <a:fld id="{B65CD1F6-44BD-4287-9604-5EB249E4285B}" type="slidenum">
+            <a:fld id="{CFCE0B46-C4B4-46DF-ABAC-94445164F1C9}" type="slidenum">
               <a:rPr lang="zh-CN" altLang="en-US" smtClean="0"/>
               <a:t>‹#›</a:t>
             </a:fld>
@@ -2726,7 +2726,7 @@
     </p:spTree>
     <p:extLst>
       <p:ext uri="{BB962C8B-B14F-4D97-AF65-F5344CB8AC3E}">
-        <p14:creationId xmlns:p14="http://schemas.microsoft.com/office/powerpoint/2010/main" val="300935669"/>
+        <p14:creationId xmlns:p14="http://schemas.microsoft.com/office/powerpoint/2010/main" val="2702169111"/>
       </p:ext>
     </p:extLst>
   </p:cSld>
@@ -2763,7 +2763,7 @@
           <p:cNvPr id="2" name="标题占位符 1">
             <a:extLst>
               <a:ext uri="{FF2B5EF4-FFF2-40B4-BE49-F238E27FC236}">
-                <a16:creationId xmlns:a16="http://schemas.microsoft.com/office/drawing/2014/main" id="{50BAB8B2-6FED-77CA-CCF3-8301906B74E5}"/>
+                <a16:creationId xmlns:a16="http://schemas.microsoft.com/office/drawing/2014/main" id="{BFC835F0-9846-C24F-8BE3-1EB7160B9802}"/>
               </a:ext>
             </a:extLst>
           </p:cNvPr>
@@ -2801,7 +2801,7 @@
           <p:cNvPr id="3" name="文本占位符 2">
             <a:extLst>
               <a:ext uri="{FF2B5EF4-FFF2-40B4-BE49-F238E27FC236}">
-                <a16:creationId xmlns:a16="http://schemas.microsoft.com/office/drawing/2014/main" id="{36C9D11D-1179-4054-F7B5-3D0774C06781}"/>
+                <a16:creationId xmlns:a16="http://schemas.microsoft.com/office/drawing/2014/main" id="{5E9A008E-F6F7-A897-6129-6661D15DC52E}"/>
               </a:ext>
             </a:extLst>
           </p:cNvPr>
@@ -2868,7 +2868,7 @@
           <p:cNvPr id="4" name="日期占位符 3">
             <a:extLst>
               <a:ext uri="{FF2B5EF4-FFF2-40B4-BE49-F238E27FC236}">
-                <a16:creationId xmlns:a16="http://schemas.microsoft.com/office/drawing/2014/main" id="{C5A2B72E-ABFE-8218-A617-D11720E6A16E}"/>
+                <a16:creationId xmlns:a16="http://schemas.microsoft.com/office/drawing/2014/main" id="{C68E0632-6333-0D14-409E-2D3A03C6454F}"/>
               </a:ext>
             </a:extLst>
           </p:cNvPr>
@@ -2902,7 +2902,7 @@
             </a:lvl1pPr>
           </a:lstStyle>
           <a:p>
-            <a:fld id="{88101207-1634-4C01-BDF5-FD1C0090361F}" type="datetimeFigureOut">
+            <a:fld id="{9736A94E-9187-41B7-A5A4-79BB41683F4F}" type="datetimeFigureOut">
               <a:rPr lang="zh-CN" altLang="en-US" smtClean="0"/>
               <a:t>2024/3/10</a:t>
             </a:fld>
@@ -2915,7 +2915,7 @@
           <p:cNvPr id="5" name="页脚占位符 4">
             <a:extLst>
               <a:ext uri="{FF2B5EF4-FFF2-40B4-BE49-F238E27FC236}">
-                <a16:creationId xmlns:a16="http://schemas.microsoft.com/office/drawing/2014/main" id="{A65A1F8B-7979-0C3E-7652-45B676BE1313}"/>
+                <a16:creationId xmlns:a16="http://schemas.microsoft.com/office/drawing/2014/main" id="{031E7335-08CF-9F96-F3C7-6449F2625639}"/>
               </a:ext>
             </a:extLst>
           </p:cNvPr>
@@ -2958,7 +2958,7 @@
           <p:cNvPr id="6" name="灯片编号占位符 5">
             <a:extLst>
               <a:ext uri="{FF2B5EF4-FFF2-40B4-BE49-F238E27FC236}">
-                <a16:creationId xmlns:a16="http://schemas.microsoft.com/office/drawing/2014/main" id="{160B822C-8FE6-A183-A807-9DA904E397D6}"/>
+                <a16:creationId xmlns:a16="http://schemas.microsoft.com/office/drawing/2014/main" id="{5CD01419-D3EA-7926-6966-0B418F4A0C5F}"/>
               </a:ext>
             </a:extLst>
           </p:cNvPr>
@@ -2992,7 +2992,7 @@
             </a:lvl1pPr>
           </a:lstStyle>
           <a:p>
-            <a:fld id="{B65CD1F6-44BD-4287-9604-5EB249E4285B}" type="slidenum">
+            <a:fld id="{CFCE0B46-C4B4-46DF-ABAC-94445164F1C9}" type="slidenum">
               <a:rPr lang="zh-CN" altLang="en-US" smtClean="0"/>
               <a:t>‹#›</a:t>
             </a:fld>
@@ -3003,7 +3003,7 @@
     </p:spTree>
     <p:extLst>
       <p:ext uri="{BB962C8B-B14F-4D97-AF65-F5344CB8AC3E}">
-        <p14:creationId xmlns:p14="http://schemas.microsoft.com/office/powerpoint/2010/main" val="3830987121"/>
+        <p14:creationId xmlns:p14="http://schemas.microsoft.com/office/powerpoint/2010/main" val="3088396908"/>
       </p:ext>
     </p:extLst>
   </p:cSld>
